--- a/exam/exam3/model.pptx
+++ b/exam/exam3/model.pptx
@@ -5,11 +5,10 @@
     <p:sldMasterId id="2147483882" r:id="rId1"/>
   </p:sldMasterIdLst>
   <p:notesMasterIdLst>
-    <p:notesMasterId r:id="rId4"/>
+    <p:notesMasterId r:id="rId3"/>
   </p:notesMasterIdLst>
   <p:sldIdLst>
     <p:sldId id="417" r:id="rId2"/>
-    <p:sldId id="418" r:id="rId3"/>
   </p:sldIdLst>
   <p:sldSz cx="12192000" cy="6858000"/>
   <p:notesSz cx="6858000" cy="9144000"/>
@@ -108,6 +107,11 @@
       </a:defRPr>
     </a:lvl9pPr>
   </p:defaultTextStyle>
+  <p:extLst>
+    <p:ext uri="{EFAFB233-063F-42B5-8137-9DF3F51BA10A}">
+      <p15:sldGuideLst xmlns:p15="http://schemas.microsoft.com/office/powerpoint/2012/main"/>
+    </p:ext>
+  </p:extLst>
 </p:presentation>
 </file>
 
@@ -193,7 +197,7 @@
           <a:p>
             <a:fld id="{06266263-A2AD-3E48-B1C8-4F79DF5F3301}" type="datetimeFigureOut">
               <a:rPr lang="en-SA" smtClean="0"/>
-              <a:t>10/12/2023 R</a:t>
+              <a:t>11/12/2023 R</a:t>
             </a:fld>
             <a:endParaRPr lang="en-SA"/>
           </a:p>
@@ -742,7 +746,7 @@
           <a:p>
             <a:fld id="{72BF3668-01F2-0745-BD0B-9834F00013FB}" type="datetimeFigureOut">
               <a:rPr lang="en-SA" smtClean="0"/>
-              <a:t>10/12/2023 R</a:t>
+              <a:t>11/12/2023 R</a:t>
             </a:fld>
             <a:endParaRPr lang="en-SA"/>
           </a:p>
@@ -1017,7 +1021,7 @@
           <a:p>
             <a:fld id="{72BF3668-01F2-0745-BD0B-9834F00013FB}" type="datetimeFigureOut">
               <a:rPr lang="en-SA" smtClean="0"/>
-              <a:t>10/12/2023 R</a:t>
+              <a:t>11/12/2023 R</a:t>
             </a:fld>
             <a:endParaRPr lang="en-SA"/>
           </a:p>
@@ -1211,7 +1215,7 @@
           <a:p>
             <a:fld id="{72BF3668-01F2-0745-BD0B-9834F00013FB}" type="datetimeFigureOut">
               <a:rPr lang="en-SA" smtClean="0"/>
-              <a:t>10/12/2023 R</a:t>
+              <a:t>11/12/2023 R</a:t>
             </a:fld>
             <a:endParaRPr lang="en-SA"/>
           </a:p>
@@ -1484,7 +1488,7 @@
           <a:p>
             <a:fld id="{72BF3668-01F2-0745-BD0B-9834F00013FB}" type="datetimeFigureOut">
               <a:rPr lang="en-SA" smtClean="0"/>
-              <a:t>10/12/2023 R</a:t>
+              <a:t>11/12/2023 R</a:t>
             </a:fld>
             <a:endParaRPr lang="en-SA"/>
           </a:p>
@@ -1825,7 +1829,7 @@
           <a:p>
             <a:fld id="{72BF3668-01F2-0745-BD0B-9834F00013FB}" type="datetimeFigureOut">
               <a:rPr lang="en-SA" smtClean="0"/>
-              <a:t>10/12/2023 R</a:t>
+              <a:t>11/12/2023 R</a:t>
             </a:fld>
             <a:endParaRPr lang="en-SA"/>
           </a:p>
@@ -2448,7 +2452,7 @@
           <a:p>
             <a:fld id="{72BF3668-01F2-0745-BD0B-9834F00013FB}" type="datetimeFigureOut">
               <a:rPr lang="en-SA" smtClean="0"/>
-              <a:t>10/12/2023 R</a:t>
+              <a:t>11/12/2023 R</a:t>
             </a:fld>
             <a:endParaRPr lang="en-SA"/>
           </a:p>
@@ -3308,7 +3312,7 @@
           <a:p>
             <a:fld id="{72BF3668-01F2-0745-BD0B-9834F00013FB}" type="datetimeFigureOut">
               <a:rPr lang="en-SA" smtClean="0"/>
-              <a:t>10/12/2023 R</a:t>
+              <a:t>11/12/2023 R</a:t>
             </a:fld>
             <a:endParaRPr lang="en-SA"/>
           </a:p>
@@ -3478,7 +3482,7 @@
           <a:p>
             <a:fld id="{72BF3668-01F2-0745-BD0B-9834F00013FB}" type="datetimeFigureOut">
               <a:rPr lang="en-SA" smtClean="0"/>
-              <a:t>10/12/2023 R</a:t>
+              <a:t>11/12/2023 R</a:t>
             </a:fld>
             <a:endParaRPr lang="en-SA"/>
           </a:p>
@@ -3658,7 +3662,7 @@
           <a:p>
             <a:fld id="{72BF3668-01F2-0745-BD0B-9834F00013FB}" type="datetimeFigureOut">
               <a:rPr lang="en-SA" smtClean="0"/>
-              <a:t>10/12/2023 R</a:t>
+              <a:t>11/12/2023 R</a:t>
             </a:fld>
             <a:endParaRPr lang="en-SA"/>
           </a:p>
@@ -3828,7 +3832,7 @@
           <a:p>
             <a:fld id="{72BF3668-01F2-0745-BD0B-9834F00013FB}" type="datetimeFigureOut">
               <a:rPr lang="en-SA" smtClean="0"/>
-              <a:t>10/12/2023 R</a:t>
+              <a:t>11/12/2023 R</a:t>
             </a:fld>
             <a:endParaRPr lang="en-SA"/>
           </a:p>
@@ -4075,7 +4079,7 @@
           <a:p>
             <a:fld id="{72BF3668-01F2-0745-BD0B-9834F00013FB}" type="datetimeFigureOut">
               <a:rPr lang="en-SA" smtClean="0"/>
-              <a:t>10/12/2023 R</a:t>
+              <a:t>11/12/2023 R</a:t>
             </a:fld>
             <a:endParaRPr lang="en-SA"/>
           </a:p>
@@ -4367,7 +4371,7 @@
           <a:p>
             <a:fld id="{72BF3668-01F2-0745-BD0B-9834F00013FB}" type="datetimeFigureOut">
               <a:rPr lang="en-SA" smtClean="0"/>
-              <a:t>10/12/2023 R</a:t>
+              <a:t>11/12/2023 R</a:t>
             </a:fld>
             <a:endParaRPr lang="en-SA"/>
           </a:p>
@@ -4811,7 +4815,7 @@
           <a:p>
             <a:fld id="{72BF3668-01F2-0745-BD0B-9834F00013FB}" type="datetimeFigureOut">
               <a:rPr lang="en-SA" smtClean="0"/>
-              <a:t>10/12/2023 R</a:t>
+              <a:t>11/12/2023 R</a:t>
             </a:fld>
             <a:endParaRPr lang="en-SA"/>
           </a:p>
@@ -4929,7 +4933,7 @@
           <a:p>
             <a:fld id="{72BF3668-01F2-0745-BD0B-9834F00013FB}" type="datetimeFigureOut">
               <a:rPr lang="en-SA" smtClean="0"/>
-              <a:t>10/12/2023 R</a:t>
+              <a:t>11/12/2023 R</a:t>
             </a:fld>
             <a:endParaRPr lang="en-SA"/>
           </a:p>
@@ -5024,7 +5028,7 @@
           <a:p>
             <a:fld id="{72BF3668-01F2-0745-BD0B-9834F00013FB}" type="datetimeFigureOut">
               <a:rPr lang="en-SA" smtClean="0"/>
-              <a:t>10/12/2023 R</a:t>
+              <a:t>11/12/2023 R</a:t>
             </a:fld>
             <a:endParaRPr lang="en-SA"/>
           </a:p>
@@ -5303,7 +5307,7 @@
           <a:p>
             <a:fld id="{72BF3668-01F2-0745-BD0B-9834F00013FB}" type="datetimeFigureOut">
               <a:rPr lang="en-SA" smtClean="0"/>
-              <a:t>10/12/2023 R</a:t>
+              <a:t>11/12/2023 R</a:t>
             </a:fld>
             <a:endParaRPr lang="en-SA"/>
           </a:p>
@@ -5578,7 +5582,7 @@
           <a:p>
             <a:fld id="{72BF3668-01F2-0745-BD0B-9834F00013FB}" type="datetimeFigureOut">
               <a:rPr lang="en-SA" smtClean="0"/>
-              <a:t>10/12/2023 R</a:t>
+              <a:t>11/12/2023 R</a:t>
             </a:fld>
             <a:endParaRPr lang="en-SA"/>
           </a:p>
@@ -6007,7 +6011,7 @@
           <a:p>
             <a:fld id="{72BF3668-01F2-0745-BD0B-9834F00013FB}" type="datetimeFigureOut">
               <a:rPr lang="en-SA" smtClean="0"/>
-              <a:t>10/12/2023 R</a:t>
+              <a:t>11/12/2023 R</a:t>
             </a:fld>
             <a:endParaRPr lang="en-SA"/>
           </a:p>
@@ -6553,7 +6557,7 @@
         </p:nvSpPr>
         <p:spPr>
           <a:xfrm>
-            <a:off x="906294" y="22299"/>
+            <a:off x="893702" y="32087"/>
             <a:ext cx="10515600" cy="1325563"/>
           </a:xfrm>
         </p:spPr>
@@ -7831,125 +7835,6 @@
           </p:txBody>
         </p:sp>
       </p:grpSp>
-      <p:grpSp>
-        <p:nvGrpSpPr>
-          <p:cNvPr id="50" name="Group 49">
-            <a:extLst>
-              <a:ext uri="{FF2B5EF4-FFF2-40B4-BE49-F238E27FC236}">
-                <a16:creationId xmlns:a16="http://schemas.microsoft.com/office/drawing/2014/main" id="{37C40939-8EF8-9654-A659-3C5F23509850}"/>
-              </a:ext>
-            </a:extLst>
-          </p:cNvPr>
-          <p:cNvGrpSpPr/>
-          <p:nvPr/>
-        </p:nvGrpSpPr>
-        <p:grpSpPr>
-          <a:xfrm>
-            <a:off x="10961933" y="4821382"/>
-            <a:ext cx="644236" cy="696191"/>
-            <a:chOff x="1340428" y="4956464"/>
-            <a:chExt cx="644236" cy="696191"/>
-          </a:xfrm>
-        </p:grpSpPr>
-        <p:sp>
-          <p:nvSpPr>
-            <p:cNvPr id="51" name="Rectangle 50">
-              <a:extLst>
-                <a:ext uri="{FF2B5EF4-FFF2-40B4-BE49-F238E27FC236}">
-                  <a16:creationId xmlns:a16="http://schemas.microsoft.com/office/drawing/2014/main" id="{67D1A050-F784-8356-F167-609492A888B2}"/>
-                </a:ext>
-              </a:extLst>
-            </p:cNvPr>
-            <p:cNvSpPr/>
-            <p:nvPr/>
-          </p:nvSpPr>
-          <p:spPr>
-            <a:xfrm>
-              <a:off x="1340428" y="4956464"/>
-              <a:ext cx="644236" cy="696191"/>
-            </a:xfrm>
-            <a:prstGeom prst="rect">
-              <a:avLst/>
-            </a:prstGeom>
-          </p:spPr>
-          <p:style>
-            <a:lnRef idx="2">
-              <a:schemeClr val="accent1">
-                <a:shade val="50000"/>
-              </a:schemeClr>
-            </a:lnRef>
-            <a:fillRef idx="1">
-              <a:schemeClr val="accent1"/>
-            </a:fillRef>
-            <a:effectRef idx="0">
-              <a:schemeClr val="accent1"/>
-            </a:effectRef>
-            <a:fontRef idx="minor">
-              <a:schemeClr val="lt1"/>
-            </a:fontRef>
-          </p:style>
-          <p:txBody>
-            <a:bodyPr rtlCol="0" anchor="ctr"/>
-            <a:lstStyle/>
-            <a:p>
-              <a:pPr algn="ctr"/>
-              <a:endParaRPr lang="en-US"/>
-            </a:p>
-          </p:txBody>
-        </p:sp>
-        <p:sp>
-          <p:nvSpPr>
-            <p:cNvPr id="52" name="Rounded Rectangle 51">
-              <a:extLst>
-                <a:ext uri="{FF2B5EF4-FFF2-40B4-BE49-F238E27FC236}">
-                  <a16:creationId xmlns:a16="http://schemas.microsoft.com/office/drawing/2014/main" id="{80D00A35-EEBD-CE23-D367-CECABDFB468F}"/>
-                </a:ext>
-              </a:extLst>
-            </p:cNvPr>
-            <p:cNvSpPr/>
-            <p:nvPr/>
-          </p:nvSpPr>
-          <p:spPr>
-            <a:xfrm>
-              <a:off x="1641764" y="5029200"/>
-              <a:ext cx="322118" cy="332509"/>
-            </a:xfrm>
-            <a:prstGeom prst="roundRect">
-              <a:avLst/>
-            </a:prstGeom>
-            <a:solidFill>
-              <a:srgbClr val="0070C0"/>
-            </a:solidFill>
-          </p:spPr>
-          <p:style>
-            <a:lnRef idx="2">
-              <a:schemeClr val="accent1">
-                <a:shade val="50000"/>
-              </a:schemeClr>
-            </a:lnRef>
-            <a:fillRef idx="1">
-              <a:schemeClr val="accent1"/>
-            </a:fillRef>
-            <a:effectRef idx="0">
-              <a:schemeClr val="accent1"/>
-            </a:effectRef>
-            <a:fontRef idx="minor">
-              <a:schemeClr val="lt1"/>
-            </a:fontRef>
-          </p:style>
-          <p:txBody>
-            <a:bodyPr rtlCol="0" anchor="ctr"/>
-            <a:lstStyle/>
-            <a:p>
-              <a:pPr algn="ctr"/>
-              <a:r>
-                <a:rPr lang="en-US" sz="800" dirty="0"/>
-                <a:t>L1</a:t>
-              </a:r>
-            </a:p>
-          </p:txBody>
-        </p:sp>
-      </p:grpSp>
       <p:cxnSp>
         <p:nvCxnSpPr>
           <p:cNvPr id="53" name="Straight Connector 52">
@@ -8038,7 +7923,6 @@
           </p:cNvPr>
           <p:cNvCxnSpPr>
             <a:cxnSpLocks/>
-            <a:endCxn id="51" idx="0"/>
           </p:cNvCxnSpPr>
           <p:nvPr/>
         </p:nvCxnSpPr>
@@ -9195,90 +9079,46 @@
           </a:p>
         </p:txBody>
       </p:sp>
+      <p:sp>
+        <p:nvSpPr>
+          <p:cNvPr id="3" name="TextBox 2">
+            <a:extLst>
+              <a:ext uri="{FF2B5EF4-FFF2-40B4-BE49-F238E27FC236}">
+                <a16:creationId xmlns:a16="http://schemas.microsoft.com/office/drawing/2014/main" id="{F377847F-9F75-84BA-CB15-47CE10E5814F}"/>
+              </a:ext>
+            </a:extLst>
+          </p:cNvPr>
+          <p:cNvSpPr txBox="1"/>
+          <p:nvPr/>
+        </p:nvSpPr>
+        <p:spPr>
+          <a:xfrm>
+            <a:off x="11013883" y="4983602"/>
+            <a:ext cx="816021" cy="307777"/>
+          </a:xfrm>
+          <a:prstGeom prst="rect">
+            <a:avLst/>
+          </a:prstGeom>
+          <a:noFill/>
+        </p:spPr>
+        <p:txBody>
+          <a:bodyPr wrap="square" rtlCol="0">
+            <a:spAutoFit/>
+          </a:bodyPr>
+          <a:lstStyle/>
+          <a:p>
+            <a:r>
+              <a:rPr lang="zh-CN" altLang="en-US" sz="1400" dirty="0"/>
+              <a:t>。。。</a:t>
+            </a:r>
+            <a:endParaRPr lang="en-SA" sz="1400" dirty="0"/>
+          </a:p>
+        </p:txBody>
+      </p:sp>
     </p:spTree>
     <p:extLst>
       <p:ext uri="{BB962C8B-B14F-4D97-AF65-F5344CB8AC3E}">
         <p14:creationId xmlns:p14="http://schemas.microsoft.com/office/powerpoint/2010/main" val="2088576928"/>
-      </p:ext>
-    </p:extLst>
-  </p:cSld>
-  <p:clrMapOvr>
-    <a:masterClrMapping/>
-  </p:clrMapOvr>
-</p:sld>
-</file>
-
-<file path=ppt/slides/slide2.xml><?xml version="1.0" encoding="utf-8"?>
-<p:sld xmlns:a="http://schemas.openxmlformats.org/drawingml/2006/main" xmlns:r="http://schemas.openxmlformats.org/officeDocument/2006/relationships" xmlns:p="http://schemas.openxmlformats.org/presentationml/2006/main">
-  <p:cSld>
-    <p:spTree>
-      <p:nvGrpSpPr>
-        <p:cNvPr id="1" name=""/>
-        <p:cNvGrpSpPr/>
-        <p:nvPr/>
-      </p:nvGrpSpPr>
-      <p:grpSpPr>
-        <a:xfrm>
-          <a:off x="0" y="0"/>
-          <a:ext cx="0" cy="0"/>
-          <a:chOff x="0" y="0"/>
-          <a:chExt cx="0" cy="0"/>
-        </a:xfrm>
-      </p:grpSpPr>
-      <p:sp>
-        <p:nvSpPr>
-          <p:cNvPr id="2" name="Title 1">
-            <a:extLst>
-              <a:ext uri="{FF2B5EF4-FFF2-40B4-BE49-F238E27FC236}">
-                <a16:creationId xmlns:a16="http://schemas.microsoft.com/office/drawing/2014/main" id="{98971A52-06C6-742F-8083-E5581CE74541}"/>
-              </a:ext>
-            </a:extLst>
-          </p:cNvPr>
-          <p:cNvSpPr>
-            <a:spLocks noGrp="1"/>
-          </p:cNvSpPr>
-          <p:nvPr>
-            <p:ph type="title"/>
-          </p:nvPr>
-        </p:nvSpPr>
-        <p:spPr/>
-        <p:txBody>
-          <a:bodyPr/>
-          <a:lstStyle/>
-          <a:p>
-            <a:endParaRPr lang="en-SA"/>
-          </a:p>
-        </p:txBody>
-      </p:sp>
-      <p:sp>
-        <p:nvSpPr>
-          <p:cNvPr id="3" name="Content Placeholder 2">
-            <a:extLst>
-              <a:ext uri="{FF2B5EF4-FFF2-40B4-BE49-F238E27FC236}">
-                <a16:creationId xmlns:a16="http://schemas.microsoft.com/office/drawing/2014/main" id="{DDB1A6A2-2EE6-FA41-95A2-90935FAC581E}"/>
-              </a:ext>
-            </a:extLst>
-          </p:cNvPr>
-          <p:cNvSpPr>
-            <a:spLocks noGrp="1"/>
-          </p:cNvSpPr>
-          <p:nvPr>
-            <p:ph idx="1"/>
-          </p:nvPr>
-        </p:nvSpPr>
-        <p:spPr/>
-        <p:txBody>
-          <a:bodyPr/>
-          <a:lstStyle/>
-          <a:p>
-            <a:endParaRPr lang="en-SA"/>
-          </a:p>
-        </p:txBody>
-      </p:sp>
-    </p:spTree>
-    <p:extLst>
-      <p:ext uri="{BB962C8B-B14F-4D97-AF65-F5344CB8AC3E}">
-        <p14:creationId xmlns:p14="http://schemas.microsoft.com/office/powerpoint/2010/main" val="2558685165"/>
       </p:ext>
     </p:extLst>
   </p:cSld>
